--- a/3. SQL/5. Subqueries/5. SQL Subqueries.pptx
+++ b/3. SQL/5. Subqueries/5. SQL Subqueries.pptx
@@ -3170,9 +3170,13 @@
   <p:cSld>
     <p:bg>
       <p:bgPr>
-        <a:solidFill>
-          <a:srgbClr val="EDDACC"/>
-        </a:solidFill>
+        <a:blipFill rotWithShape="1">
+          <a:blip r:embed="rId2"/>
+          <a:srcRect l="0" t="0" r="0" b="0"/>
+          <a:stretch>
+            <a:fillRect/>
+          </a:stretch>
+        </a:blipFill>
       </p:bgPr>
     </p:bg>
     <p:spTree>
@@ -3189,38 +3193,9 @@
           <a:chExt cx="0" cy="0"/>
         </a:xfrm>
       </p:grpSpPr>
-      <p:pic>
-        <p:nvPicPr>
-          <p:cNvPr id="112" name="5f461d116006137.6059ac1f3a043.jpg" descr="5f461d116006137.6059ac1f3a043.jpg"/>
-          <p:cNvPicPr>
-            <a:picLocks noChangeAspect="1"/>
-          </p:cNvPicPr>
-          <p:nvPr/>
-        </p:nvPicPr>
-        <p:blipFill>
-          <a:blip r:embed="rId2">
-            <a:extLst/>
-          </a:blip>
-          <a:stretch>
-            <a:fillRect/>
-          </a:stretch>
-        </p:blipFill>
-        <p:spPr>
-          <a:xfrm>
-            <a:off x="-38625" y="-1281005"/>
-            <a:ext cx="12269250" cy="8179500"/>
-          </a:xfrm>
-          <a:prstGeom prst="rect">
-            <a:avLst/>
-          </a:prstGeom>
-          <a:ln w="12700">
-            <a:miter lim="400000"/>
-          </a:ln>
-        </p:spPr>
-      </p:pic>
       <p:sp>
         <p:nvSpPr>
-          <p:cNvPr id="113" name="SQL - Subqueries"/>
+          <p:cNvPr id="112" name="SQL - Subqueries"/>
           <p:cNvSpPr txBox="1"/>
           <p:nvPr/>
         </p:nvSpPr>
@@ -3283,9 +3258,13 @@
   <p:cSld>
     <p:bg>
       <p:bgPr>
-        <a:solidFill>
-          <a:srgbClr val="EDDACC"/>
-        </a:solidFill>
+        <a:blipFill rotWithShape="1">
+          <a:blip r:embed="rId2"/>
+          <a:srcRect l="0" t="0" r="0" b="0"/>
+          <a:stretch>
+            <a:fillRect/>
+          </a:stretch>
+        </a:blipFill>
       </p:bgPr>
     </p:bg>
     <p:spTree>
@@ -3302,38 +3281,9 @@
           <a:chExt cx="0" cy="0"/>
         </a:xfrm>
       </p:grpSpPr>
-      <p:pic>
-        <p:nvPicPr>
-          <p:cNvPr id="168" name="5f461d116006137.6059ac1f3a043.jpg" descr="5f461d116006137.6059ac1f3a043.jpg"/>
-          <p:cNvPicPr>
-            <a:picLocks noChangeAspect="1"/>
-          </p:cNvPicPr>
-          <p:nvPr/>
-        </p:nvPicPr>
-        <p:blipFill>
-          <a:blip r:embed="rId2">
-            <a:extLst/>
-          </a:blip>
-          <a:stretch>
-            <a:fillRect/>
-          </a:stretch>
-        </p:blipFill>
-        <p:spPr>
-          <a:xfrm>
-            <a:off x="-38625" y="-1281005"/>
-            <a:ext cx="12269250" cy="8179500"/>
-          </a:xfrm>
-          <a:prstGeom prst="rect">
-            <a:avLst/>
-          </a:prstGeom>
-          <a:ln w="12700">
-            <a:miter lim="400000"/>
-          </a:ln>
-        </p:spPr>
-      </p:pic>
       <p:sp>
         <p:nvSpPr>
-          <p:cNvPr id="169" name="Google Shape;55;p13"/>
+          <p:cNvPr id="159" name="Google Shape;55;p13"/>
           <p:cNvSpPr txBox="1"/>
           <p:nvPr>
             <p:ph type="title"/>
@@ -3373,7 +3323,7 @@
       </p:sp>
       <p:sp>
         <p:nvSpPr>
-          <p:cNvPr id="170" name="Google Shape;69;p14"/>
+          <p:cNvPr id="160" name="Google Shape;69;p14"/>
           <p:cNvSpPr txBox="1"/>
           <p:nvPr/>
         </p:nvSpPr>
@@ -3722,9 +3672,13 @@
   <p:cSld>
     <p:bg>
       <p:bgPr>
-        <a:solidFill>
-          <a:srgbClr val="EDDACC"/>
-        </a:solidFill>
+        <a:blipFill rotWithShape="1">
+          <a:blip r:embed="rId2"/>
+          <a:srcRect l="0" t="0" r="0" b="0"/>
+          <a:stretch>
+            <a:fillRect/>
+          </a:stretch>
+        </a:blipFill>
       </p:bgPr>
     </p:bg>
     <p:spTree>
@@ -3741,38 +3695,9 @@
           <a:chExt cx="0" cy="0"/>
         </a:xfrm>
       </p:grpSpPr>
-      <p:pic>
-        <p:nvPicPr>
-          <p:cNvPr id="172" name="5f461d116006137.6059ac1f3a043.jpg" descr="5f461d116006137.6059ac1f3a043.jpg"/>
-          <p:cNvPicPr>
-            <a:picLocks noChangeAspect="1"/>
-          </p:cNvPicPr>
-          <p:nvPr/>
-        </p:nvPicPr>
-        <p:blipFill>
-          <a:blip r:embed="rId2">
-            <a:extLst/>
-          </a:blip>
-          <a:stretch>
-            <a:fillRect/>
-          </a:stretch>
-        </p:blipFill>
-        <p:spPr>
-          <a:xfrm>
-            <a:off x="-38625" y="-1281005"/>
-            <a:ext cx="12269250" cy="8179500"/>
-          </a:xfrm>
-          <a:prstGeom prst="rect">
-            <a:avLst/>
-          </a:prstGeom>
-          <a:ln w="12700">
-            <a:miter lim="400000"/>
-          </a:ln>
-        </p:spPr>
-      </p:pic>
       <p:sp>
         <p:nvSpPr>
-          <p:cNvPr id="173" name="Google Shape;55;p13"/>
+          <p:cNvPr id="162" name="Google Shape;55;p13"/>
           <p:cNvSpPr txBox="1"/>
           <p:nvPr>
             <p:ph type="title"/>
@@ -3812,7 +3737,7 @@
       </p:sp>
       <p:sp>
         <p:nvSpPr>
-          <p:cNvPr id="174" name="Google Shape;69;p14"/>
+          <p:cNvPr id="163" name="Google Shape;69;p14"/>
           <p:cNvSpPr txBox="1"/>
           <p:nvPr/>
         </p:nvSpPr>
@@ -3990,9 +3915,13 @@
   <p:cSld>
     <p:bg>
       <p:bgPr>
-        <a:solidFill>
-          <a:srgbClr val="EDDACC"/>
-        </a:solidFill>
+        <a:blipFill rotWithShape="1">
+          <a:blip r:embed="rId2"/>
+          <a:srcRect l="0" t="0" r="0" b="0"/>
+          <a:stretch>
+            <a:fillRect/>
+          </a:stretch>
+        </a:blipFill>
       </p:bgPr>
     </p:bg>
     <p:spTree>
@@ -4009,38 +3938,9 @@
           <a:chExt cx="0" cy="0"/>
         </a:xfrm>
       </p:grpSpPr>
-      <p:pic>
-        <p:nvPicPr>
-          <p:cNvPr id="176" name="5f461d116006137.6059ac1f3a043.jpg" descr="5f461d116006137.6059ac1f3a043.jpg"/>
-          <p:cNvPicPr>
-            <a:picLocks noChangeAspect="1"/>
-          </p:cNvPicPr>
-          <p:nvPr/>
-        </p:nvPicPr>
-        <p:blipFill>
-          <a:blip r:embed="rId2">
-            <a:extLst/>
-          </a:blip>
-          <a:stretch>
-            <a:fillRect/>
-          </a:stretch>
-        </p:blipFill>
-        <p:spPr>
-          <a:xfrm>
-            <a:off x="-38625" y="-1281005"/>
-            <a:ext cx="12269250" cy="8179500"/>
-          </a:xfrm>
-          <a:prstGeom prst="rect">
-            <a:avLst/>
-          </a:prstGeom>
-          <a:ln w="12700">
-            <a:miter lim="400000"/>
-          </a:ln>
-        </p:spPr>
-      </p:pic>
       <p:sp>
         <p:nvSpPr>
-          <p:cNvPr id="177" name="Google Shape;55;p13"/>
+          <p:cNvPr id="165" name="Google Shape;55;p13"/>
           <p:cNvSpPr txBox="1"/>
           <p:nvPr>
             <p:ph type="title"/>
@@ -4080,7 +3980,7 @@
       </p:sp>
       <p:sp>
         <p:nvSpPr>
-          <p:cNvPr id="178" name="Google Shape;69;p14"/>
+          <p:cNvPr id="166" name="Google Shape;69;p14"/>
           <p:cNvSpPr txBox="1"/>
           <p:nvPr/>
         </p:nvSpPr>
@@ -4314,9 +4214,13 @@
   <p:cSld>
     <p:bg>
       <p:bgPr>
-        <a:solidFill>
-          <a:srgbClr val="EDDACC"/>
-        </a:solidFill>
+        <a:blipFill rotWithShape="1">
+          <a:blip r:embed="rId2"/>
+          <a:srcRect l="0" t="0" r="0" b="0"/>
+          <a:stretch>
+            <a:fillRect/>
+          </a:stretch>
+        </a:blipFill>
       </p:bgPr>
     </p:bg>
     <p:spTree>
@@ -4333,38 +4237,9 @@
           <a:chExt cx="0" cy="0"/>
         </a:xfrm>
       </p:grpSpPr>
-      <p:pic>
-        <p:nvPicPr>
-          <p:cNvPr id="180" name="5f461d116006137.6059ac1f3a043.jpg" descr="5f461d116006137.6059ac1f3a043.jpg"/>
-          <p:cNvPicPr>
-            <a:picLocks noChangeAspect="1"/>
-          </p:cNvPicPr>
-          <p:nvPr/>
-        </p:nvPicPr>
-        <p:blipFill>
-          <a:blip r:embed="rId2">
-            <a:extLst/>
-          </a:blip>
-          <a:stretch>
-            <a:fillRect/>
-          </a:stretch>
-        </p:blipFill>
-        <p:spPr>
-          <a:xfrm>
-            <a:off x="-38625" y="-1281005"/>
-            <a:ext cx="12269250" cy="8179500"/>
-          </a:xfrm>
-          <a:prstGeom prst="rect">
-            <a:avLst/>
-          </a:prstGeom>
-          <a:ln w="12700">
-            <a:miter lim="400000"/>
-          </a:ln>
-        </p:spPr>
-      </p:pic>
       <p:sp>
         <p:nvSpPr>
-          <p:cNvPr id="181" name="Google Shape;55;p13"/>
+          <p:cNvPr id="168" name="Google Shape;55;p13"/>
           <p:cNvSpPr txBox="1"/>
           <p:nvPr>
             <p:ph type="title"/>
@@ -4404,7 +4279,7 @@
       </p:sp>
       <p:sp>
         <p:nvSpPr>
-          <p:cNvPr id="182" name="Google Shape;69;p14"/>
+          <p:cNvPr id="169" name="Google Shape;69;p14"/>
           <p:cNvSpPr txBox="1"/>
           <p:nvPr/>
         </p:nvSpPr>
@@ -4510,9 +4385,13 @@
   <p:cSld>
     <p:bg>
       <p:bgPr>
-        <a:solidFill>
-          <a:srgbClr val="EDDACC"/>
-        </a:solidFill>
+        <a:blipFill rotWithShape="1">
+          <a:blip r:embed="rId2"/>
+          <a:srcRect l="0" t="0" r="0" b="0"/>
+          <a:stretch>
+            <a:fillRect/>
+          </a:stretch>
+        </a:blipFill>
       </p:bgPr>
     </p:bg>
     <p:spTree>
@@ -4529,38 +4408,9 @@
           <a:chExt cx="0" cy="0"/>
         </a:xfrm>
       </p:grpSpPr>
-      <p:pic>
-        <p:nvPicPr>
-          <p:cNvPr id="184" name="5f461d116006137.6059ac1f3a043.jpg" descr="5f461d116006137.6059ac1f3a043.jpg"/>
-          <p:cNvPicPr>
-            <a:picLocks noChangeAspect="1"/>
-          </p:cNvPicPr>
-          <p:nvPr/>
-        </p:nvPicPr>
-        <p:blipFill>
-          <a:blip r:embed="rId2">
-            <a:extLst/>
-          </a:blip>
-          <a:stretch>
-            <a:fillRect/>
-          </a:stretch>
-        </p:blipFill>
-        <p:spPr>
-          <a:xfrm>
-            <a:off x="-38625" y="-1281005"/>
-            <a:ext cx="12269250" cy="8179500"/>
-          </a:xfrm>
-          <a:prstGeom prst="rect">
-            <a:avLst/>
-          </a:prstGeom>
-          <a:ln w="12700">
-            <a:miter lim="400000"/>
-          </a:ln>
-        </p:spPr>
-      </p:pic>
       <p:sp>
         <p:nvSpPr>
-          <p:cNvPr id="185" name="Google Shape;55;p13"/>
+          <p:cNvPr id="171" name="Google Shape;55;p13"/>
           <p:cNvSpPr txBox="1"/>
           <p:nvPr>
             <p:ph type="title"/>
@@ -4600,7 +4450,7 @@
       </p:sp>
       <p:sp>
         <p:nvSpPr>
-          <p:cNvPr id="186" name="Google Shape;69;p14"/>
+          <p:cNvPr id="172" name="Google Shape;69;p14"/>
           <p:cNvSpPr txBox="1"/>
           <p:nvPr/>
         </p:nvSpPr>
@@ -4670,9 +4520,13 @@
   <p:cSld>
     <p:bg>
       <p:bgPr>
-        <a:solidFill>
-          <a:srgbClr val="EDDACC"/>
-        </a:solidFill>
+        <a:blipFill rotWithShape="1">
+          <a:blip r:embed="rId2"/>
+          <a:srcRect l="0" t="0" r="0" b="0"/>
+          <a:stretch>
+            <a:fillRect/>
+          </a:stretch>
+        </a:blipFill>
       </p:bgPr>
     </p:bg>
     <p:spTree>
@@ -4689,38 +4543,9 @@
           <a:chExt cx="0" cy="0"/>
         </a:xfrm>
       </p:grpSpPr>
-      <p:pic>
-        <p:nvPicPr>
-          <p:cNvPr id="115" name="5f461d116006137.6059ac1f3a043.jpg" descr="5f461d116006137.6059ac1f3a043.jpg"/>
-          <p:cNvPicPr>
-            <a:picLocks noChangeAspect="1"/>
-          </p:cNvPicPr>
-          <p:nvPr/>
-        </p:nvPicPr>
-        <p:blipFill>
-          <a:blip r:embed="rId2">
-            <a:extLst/>
-          </a:blip>
-          <a:stretch>
-            <a:fillRect/>
-          </a:stretch>
-        </p:blipFill>
-        <p:spPr>
-          <a:xfrm>
-            <a:off x="-38625" y="-1281005"/>
-            <a:ext cx="12269250" cy="8179500"/>
-          </a:xfrm>
-          <a:prstGeom prst="rect">
-            <a:avLst/>
-          </a:prstGeom>
-          <a:ln w="12700">
-            <a:miter lim="400000"/>
-          </a:ln>
-        </p:spPr>
-      </p:pic>
       <p:sp>
         <p:nvSpPr>
-          <p:cNvPr id="116" name="Google Shape;55;p13"/>
+          <p:cNvPr id="114" name="Google Shape;55;p13"/>
           <p:cNvSpPr txBox="1"/>
           <p:nvPr>
             <p:ph type="title"/>
@@ -4760,7 +4585,7 @@
       </p:sp>
       <p:sp>
         <p:nvSpPr>
-          <p:cNvPr id="117" name="Google Shape;69;p14"/>
+          <p:cNvPr id="115" name="Google Shape;69;p14"/>
           <p:cNvSpPr txBox="1"/>
           <p:nvPr/>
         </p:nvSpPr>
@@ -4907,9 +4732,13 @@
   <p:cSld>
     <p:bg>
       <p:bgPr>
-        <a:solidFill>
-          <a:srgbClr val="EDDACC"/>
-        </a:solidFill>
+        <a:blipFill rotWithShape="1">
+          <a:blip r:embed="rId2"/>
+          <a:srcRect l="0" t="0" r="0" b="0"/>
+          <a:stretch>
+            <a:fillRect/>
+          </a:stretch>
+        </a:blipFill>
       </p:bgPr>
     </p:bg>
     <p:spTree>
@@ -4926,38 +4755,9 @@
           <a:chExt cx="0" cy="0"/>
         </a:xfrm>
       </p:grpSpPr>
-      <p:pic>
-        <p:nvPicPr>
-          <p:cNvPr id="119" name="5f461d116006137.6059ac1f3a043.jpg" descr="5f461d116006137.6059ac1f3a043.jpg"/>
-          <p:cNvPicPr>
-            <a:picLocks noChangeAspect="1"/>
-          </p:cNvPicPr>
-          <p:nvPr/>
-        </p:nvPicPr>
-        <p:blipFill>
-          <a:blip r:embed="rId2">
-            <a:extLst/>
-          </a:blip>
-          <a:stretch>
-            <a:fillRect/>
-          </a:stretch>
-        </p:blipFill>
-        <p:spPr>
-          <a:xfrm>
-            <a:off x="-38625" y="-1281005"/>
-            <a:ext cx="12269250" cy="8179500"/>
-          </a:xfrm>
-          <a:prstGeom prst="rect">
-            <a:avLst/>
-          </a:prstGeom>
-          <a:ln w="12700">
-            <a:miter lim="400000"/>
-          </a:ln>
-        </p:spPr>
-      </p:pic>
       <p:sp>
         <p:nvSpPr>
-          <p:cNvPr id="120" name="Google Shape;55;p13"/>
+          <p:cNvPr id="117" name="Google Shape;55;p13"/>
           <p:cNvSpPr txBox="1"/>
           <p:nvPr>
             <p:ph type="title"/>
@@ -4997,7 +4797,7 @@
       </p:sp>
       <p:sp>
         <p:nvSpPr>
-          <p:cNvPr id="121" name="Google Shape;69;p14"/>
+          <p:cNvPr id="118" name="Google Shape;69;p14"/>
           <p:cNvSpPr txBox="1"/>
           <p:nvPr/>
         </p:nvSpPr>
@@ -5171,7 +4971,7 @@
       </p:sp>
       <p:sp>
         <p:nvSpPr>
-          <p:cNvPr id="122" name="Rectángulo"/>
+          <p:cNvPr id="119" name="Rectángulo"/>
           <p:cNvSpPr/>
           <p:nvPr/>
         </p:nvSpPr>
@@ -5203,7 +5003,7 @@
       </p:sp>
       <p:sp>
         <p:nvSpPr>
-          <p:cNvPr id="123" name="SELECT {column}…"/>
+          <p:cNvPr id="120" name="SELECT {column}…"/>
           <p:cNvSpPr txBox="1"/>
           <p:nvPr/>
         </p:nvSpPr>
@@ -5281,7 +5081,7 @@
       </p:sp>
       <p:sp>
         <p:nvSpPr>
-          <p:cNvPr id="124" name="{SELECT query}"/>
+          <p:cNvPr id="121" name="{SELECT query}"/>
           <p:cNvSpPr/>
           <p:nvPr/>
         </p:nvSpPr>
@@ -5333,7 +5133,7 @@
       </p:sp>
       <p:sp>
         <p:nvSpPr>
-          <p:cNvPr id="125" name=")…"/>
+          <p:cNvPr id="122" name=")…"/>
           <p:cNvSpPr txBox="1"/>
           <p:nvPr/>
         </p:nvSpPr>
@@ -5408,7 +5208,7 @@
       </p:sp>
       <p:sp>
         <p:nvSpPr>
-          <p:cNvPr id="126" name="Outer query"/>
+          <p:cNvPr id="123" name="Outer query"/>
           <p:cNvSpPr txBox="1"/>
           <p:nvPr/>
         </p:nvSpPr>
@@ -5452,7 +5252,7 @@
       </p:sp>
       <p:sp>
         <p:nvSpPr>
-          <p:cNvPr id="127" name="Inner query"/>
+          <p:cNvPr id="124" name="Inner query"/>
           <p:cNvSpPr txBox="1"/>
           <p:nvPr/>
         </p:nvSpPr>
@@ -5504,9 +5304,13 @@
   <p:cSld>
     <p:bg>
       <p:bgPr>
-        <a:solidFill>
-          <a:srgbClr val="EDDACC"/>
-        </a:solidFill>
+        <a:blipFill rotWithShape="1">
+          <a:blip r:embed="rId2"/>
+          <a:srcRect l="0" t="0" r="0" b="0"/>
+          <a:stretch>
+            <a:fillRect/>
+          </a:stretch>
+        </a:blipFill>
       </p:bgPr>
     </p:bg>
     <p:spTree>
@@ -5523,38 +5327,9 @@
           <a:chExt cx="0" cy="0"/>
         </a:xfrm>
       </p:grpSpPr>
-      <p:pic>
-        <p:nvPicPr>
-          <p:cNvPr id="129" name="5f461d116006137.6059ac1f3a043.jpg" descr="5f461d116006137.6059ac1f3a043.jpg"/>
-          <p:cNvPicPr>
-            <a:picLocks noChangeAspect="1"/>
-          </p:cNvPicPr>
-          <p:nvPr/>
-        </p:nvPicPr>
-        <p:blipFill>
-          <a:blip r:embed="rId2">
-            <a:extLst/>
-          </a:blip>
-          <a:stretch>
-            <a:fillRect/>
-          </a:stretch>
-        </p:blipFill>
-        <p:spPr>
-          <a:xfrm>
-            <a:off x="-38625" y="-1281005"/>
-            <a:ext cx="12269250" cy="8179500"/>
-          </a:xfrm>
-          <a:prstGeom prst="rect">
-            <a:avLst/>
-          </a:prstGeom>
-          <a:ln w="12700">
-            <a:miter lim="400000"/>
-          </a:ln>
-        </p:spPr>
-      </p:pic>
       <p:sp>
         <p:nvSpPr>
-          <p:cNvPr id="130" name="Google Shape;55;p13"/>
+          <p:cNvPr id="126" name="Google Shape;55;p13"/>
           <p:cNvSpPr txBox="1"/>
           <p:nvPr>
             <p:ph type="title"/>
@@ -5594,7 +5369,7 @@
       </p:sp>
       <p:sp>
         <p:nvSpPr>
-          <p:cNvPr id="131" name="Google Shape;69;p14"/>
+          <p:cNvPr id="127" name="Google Shape;69;p14"/>
           <p:cNvSpPr txBox="1"/>
           <p:nvPr/>
         </p:nvSpPr>
@@ -5663,7 +5438,7 @@
       </p:sp>
       <p:sp>
         <p:nvSpPr>
-          <p:cNvPr id="132" name="Rectángulo"/>
+          <p:cNvPr id="128" name="Rectángulo"/>
           <p:cNvSpPr/>
           <p:nvPr/>
         </p:nvSpPr>
@@ -5695,7 +5470,7 @@
       </p:sp>
       <p:sp>
         <p:nvSpPr>
-          <p:cNvPr id="133" name="SELECT {column}…"/>
+          <p:cNvPr id="129" name="SELECT {column}…"/>
           <p:cNvSpPr txBox="1"/>
           <p:nvPr/>
         </p:nvSpPr>
@@ -5773,7 +5548,7 @@
       </p:sp>
       <p:sp>
         <p:nvSpPr>
-          <p:cNvPr id="134" name="{SELECT query}"/>
+          <p:cNvPr id="130" name="{SELECT query}"/>
           <p:cNvSpPr/>
           <p:nvPr/>
         </p:nvSpPr>
@@ -5825,7 +5600,7 @@
       </p:sp>
       <p:sp>
         <p:nvSpPr>
-          <p:cNvPr id="135" name=") {Inner_query_name}…"/>
+          <p:cNvPr id="131" name=") {Inner_query_name}…"/>
           <p:cNvSpPr txBox="1"/>
           <p:nvPr/>
         </p:nvSpPr>
@@ -5916,7 +5691,7 @@
       </p:sp>
       <p:sp>
         <p:nvSpPr>
-          <p:cNvPr id="136" name="Outer query"/>
+          <p:cNvPr id="132" name="Outer query"/>
           <p:cNvSpPr txBox="1"/>
           <p:nvPr/>
         </p:nvSpPr>
@@ -5960,7 +5735,7 @@
       </p:sp>
       <p:sp>
         <p:nvSpPr>
-          <p:cNvPr id="137" name="Inner query"/>
+          <p:cNvPr id="133" name="Inner query"/>
           <p:cNvSpPr txBox="1"/>
           <p:nvPr/>
         </p:nvSpPr>
@@ -6012,9 +5787,13 @@
   <p:cSld>
     <p:bg>
       <p:bgPr>
-        <a:solidFill>
-          <a:srgbClr val="EDDACC"/>
-        </a:solidFill>
+        <a:blipFill rotWithShape="1">
+          <a:blip r:embed="rId2"/>
+          <a:srcRect l="0" t="0" r="0" b="0"/>
+          <a:stretch>
+            <a:fillRect/>
+          </a:stretch>
+        </a:blipFill>
       </p:bgPr>
     </p:bg>
     <p:spTree>
@@ -6031,38 +5810,9 @@
           <a:chExt cx="0" cy="0"/>
         </a:xfrm>
       </p:grpSpPr>
-      <p:pic>
-        <p:nvPicPr>
-          <p:cNvPr id="139" name="5f461d116006137.6059ac1f3a043.jpg" descr="5f461d116006137.6059ac1f3a043.jpg"/>
-          <p:cNvPicPr>
-            <a:picLocks noChangeAspect="1"/>
-          </p:cNvPicPr>
-          <p:nvPr/>
-        </p:nvPicPr>
-        <p:blipFill>
-          <a:blip r:embed="rId2">
-            <a:extLst/>
-          </a:blip>
-          <a:stretch>
-            <a:fillRect/>
-          </a:stretch>
-        </p:blipFill>
-        <p:spPr>
-          <a:xfrm>
-            <a:off x="-38625" y="-1281005"/>
-            <a:ext cx="12269250" cy="8179500"/>
-          </a:xfrm>
-          <a:prstGeom prst="rect">
-            <a:avLst/>
-          </a:prstGeom>
-          <a:ln w="12700">
-            <a:miter lim="400000"/>
-          </a:ln>
-        </p:spPr>
-      </p:pic>
       <p:sp>
         <p:nvSpPr>
-          <p:cNvPr id="140" name="Google Shape;55;p13"/>
+          <p:cNvPr id="135" name="Google Shape;55;p13"/>
           <p:cNvSpPr txBox="1"/>
           <p:nvPr>
             <p:ph type="title"/>
@@ -6102,7 +5852,7 @@
       </p:sp>
       <p:sp>
         <p:nvSpPr>
-          <p:cNvPr id="141" name="Google Shape;69;p14"/>
+          <p:cNvPr id="136" name="Google Shape;69;p14"/>
           <p:cNvSpPr txBox="1"/>
           <p:nvPr/>
         </p:nvSpPr>
@@ -6255,6 +6005,394 @@
             </a:pPr>
             <a:r>
               <a:t>)</a:t>
+            </a:r>
+          </a:p>
+        </p:txBody>
+      </p:sp>
+      <p:sp>
+        <p:nvSpPr>
+          <p:cNvPr id="137" name="This will run first.…"/>
+          <p:cNvSpPr txBox="1"/>
+          <p:nvPr/>
+        </p:nvSpPr>
+        <p:spPr>
+          <a:xfrm>
+            <a:off x="8643026" y="4384885"/>
+            <a:ext cx="3167768" cy="667331"/>
+          </a:xfrm>
+          <a:prstGeom prst="rect">
+            <a:avLst/>
+          </a:prstGeom>
+          <a:ln w="12700">
+            <a:miter lim="400000"/>
+          </a:ln>
+          <a:extLst>
+            <a:ext uri="{C572A759-6A51-4108-AA02-DFA0A04FC94B}">
+              <ma14:wrappingTextBoxFlag xmlns:ma14="http://schemas.microsoft.com/office/mac/drawingml/2011/main" val="1"/>
+            </a:ext>
+          </a:extLst>
+        </p:spPr>
+        <p:txBody>
+          <a:bodyPr wrap="none" lIns="45719" rIns="45719">
+            <a:spAutoFit/>
+          </a:bodyPr>
+          <a:lstStyle/>
+          <a:p>
+            <a:pPr>
+              <a:defRPr i="1" sz="2000">
+                <a:solidFill>
+                  <a:srgbClr val="FFFFFF"/>
+                </a:solidFill>
+                <a:latin typeface="Arial"/>
+                <a:ea typeface="Arial"/>
+                <a:cs typeface="Arial"/>
+                <a:sym typeface="Arial"/>
+              </a:defRPr>
+            </a:pPr>
+            <a:r>
+              <a:t>This will run first.</a:t>
+            </a:r>
+          </a:p>
+          <a:p>
+            <a:pPr>
+              <a:defRPr i="1" sz="2000">
+                <a:solidFill>
+                  <a:srgbClr val="FFFFFF"/>
+                </a:solidFill>
+                <a:latin typeface="Arial"/>
+                <a:ea typeface="Arial"/>
+                <a:cs typeface="Arial"/>
+                <a:sym typeface="Arial"/>
+              </a:defRPr>
+            </a:pPr>
+            <a:r>
+              <a:t>What do we get from here?</a:t>
+            </a:r>
+          </a:p>
+        </p:txBody>
+      </p:sp>
+      <p:sp>
+        <p:nvSpPr>
+          <p:cNvPr id="138" name="Línea"/>
+          <p:cNvSpPr/>
+          <p:nvPr/>
+        </p:nvSpPr>
+        <p:spPr>
+          <a:xfrm flipH="1">
+            <a:off x="6314762" y="4787707"/>
+            <a:ext cx="2194607" cy="783914"/>
+          </a:xfrm>
+          <a:prstGeom prst="line">
+            <a:avLst/>
+          </a:prstGeom>
+          <a:ln w="50800">
+            <a:solidFill>
+              <a:srgbClr val="FF000B"/>
+            </a:solidFill>
+            <a:miter/>
+            <a:tailEnd type="triangle"/>
+          </a:ln>
+        </p:spPr>
+        <p:txBody>
+          <a:bodyPr lIns="45719" rIns="45719"/>
+          <a:lstStyle/>
+          <a:p>
+            <a:pPr/>
+          </a:p>
+        </p:txBody>
+      </p:sp>
+    </p:spTree>
+  </p:cSld>
+  <p:clrMapOvr>
+    <a:masterClrMapping/>
+  </p:clrMapOvr>
+  <p:transition xmlns:p14="http://schemas.microsoft.com/office/powerpoint/2010/main" spd="med" advClick="1"/>
+</p:sld>
+</file>
+
+<file path=ppt/slides/slide6.xml><?xml version="1.0" encoding="utf-8"?>
+<p:sld xmlns:a="http://schemas.openxmlformats.org/drawingml/2006/main" xmlns:r="http://schemas.openxmlformats.org/officeDocument/2006/relationships" xmlns:p="http://schemas.openxmlformats.org/presentationml/2006/main" xmlns:m="http://schemas.openxmlformats.org/officeDocument/2006/math" xmlns:a14="http://schemas.microsoft.com/office/drawing/2010/main" showMasterSp="1" showMasterPhAnim="1">
+  <p:cSld>
+    <p:bg>
+      <p:bgPr>
+        <a:blipFill rotWithShape="1">
+          <a:blip r:embed="rId2"/>
+          <a:srcRect l="0" t="0" r="0" b="0"/>
+          <a:stretch>
+            <a:fillRect/>
+          </a:stretch>
+        </a:blipFill>
+      </p:bgPr>
+    </p:bg>
+    <p:spTree>
+      <p:nvGrpSpPr>
+        <p:cNvPr id="1" name=""/>
+        <p:cNvGrpSpPr/>
+        <p:nvPr/>
+      </p:nvGrpSpPr>
+      <p:grpSpPr>
+        <a:xfrm>
+          <a:off x="0" y="0"/>
+          <a:ext cx="0" cy="0"/>
+          <a:chOff x="0" y="0"/>
+          <a:chExt cx="0" cy="0"/>
+        </a:xfrm>
+      </p:grpSpPr>
+      <p:sp>
+        <p:nvSpPr>
+          <p:cNvPr id="140" name="Google Shape;69;p14"/>
+          <p:cNvSpPr txBox="1"/>
+          <p:nvPr/>
+        </p:nvSpPr>
+        <p:spPr>
+          <a:xfrm>
+            <a:off x="711686" y="1790460"/>
+            <a:ext cx="8732482" cy="4295481"/>
+          </a:xfrm>
+          <a:prstGeom prst="rect">
+            <a:avLst/>
+          </a:prstGeom>
+          <a:ln w="12700">
+            <a:miter lim="400000"/>
+          </a:ln>
+          <a:extLst>
+            <a:ext uri="{C572A759-6A51-4108-AA02-DFA0A04FC94B}">
+              <ma14:wrappingTextBoxFlag xmlns:ma14="http://schemas.microsoft.com/office/mac/drawingml/2011/main" val="1"/>
+            </a:ext>
+          </a:extLst>
+        </p:spPr>
+        <p:txBody>
+          <a:bodyPr lIns="121899" tIns="121899" rIns="121899" bIns="121899">
+            <a:spAutoFit/>
+          </a:bodyPr>
+          <a:lstStyle/>
+          <a:p>
+            <a:pPr marL="260684" indent="-260684" defTabSz="1219200">
+              <a:lnSpc>
+                <a:spcPct val="120000"/>
+              </a:lnSpc>
+              <a:buSzPct val="100000"/>
+              <a:buChar char="•"/>
+              <a:defRPr sz="2600">
+                <a:solidFill>
+                  <a:srgbClr val="FFFFFF"/>
+                </a:solidFill>
+                <a:latin typeface="Arial"/>
+                <a:ea typeface="Arial"/>
+                <a:cs typeface="Arial"/>
+                <a:sym typeface="Arial"/>
+              </a:defRPr>
+            </a:pPr>
+            <a:r>
+              <a:t>For example: Find the actors that played a role in film 2</a:t>
+            </a:r>
+          </a:p>
+          <a:p>
+            <a:pPr defTabSz="1219200">
+              <a:lnSpc>
+                <a:spcPct val="120000"/>
+              </a:lnSpc>
+              <a:defRPr sz="2600">
+                <a:solidFill>
+                  <a:srgbClr val="FFFFFF"/>
+                </a:solidFill>
+                <a:latin typeface="Courier New"/>
+                <a:ea typeface="Courier New"/>
+                <a:cs typeface="Courier New"/>
+                <a:sym typeface="Courier New"/>
+              </a:defRPr>
+            </a:pPr>
+          </a:p>
+          <a:p>
+            <a:pPr defTabSz="1219200">
+              <a:lnSpc>
+                <a:spcPct val="120000"/>
+              </a:lnSpc>
+              <a:defRPr b="1" sz="2600">
+                <a:solidFill>
+                  <a:srgbClr val="FFFFFF"/>
+                </a:solidFill>
+                <a:latin typeface="Courier New"/>
+                <a:ea typeface="Courier New"/>
+                <a:cs typeface="Courier New"/>
+                <a:sym typeface="Courier New"/>
+              </a:defRPr>
+            </a:pPr>
+            <a:r>
+              <a:t>SELECT * </a:t>
+            </a:r>
+          </a:p>
+          <a:p>
+            <a:pPr defTabSz="1219200">
+              <a:lnSpc>
+                <a:spcPct val="120000"/>
+              </a:lnSpc>
+              <a:defRPr b="1" sz="2600">
+                <a:solidFill>
+                  <a:srgbClr val="FFFFFF"/>
+                </a:solidFill>
+                <a:latin typeface="Courier New"/>
+                <a:ea typeface="Courier New"/>
+                <a:cs typeface="Courier New"/>
+                <a:sym typeface="Courier New"/>
+              </a:defRPr>
+            </a:pPr>
+            <a:r>
+              <a:t>FROM actor</a:t>
+            </a:r>
+          </a:p>
+          <a:p>
+            <a:pPr defTabSz="1219200">
+              <a:lnSpc>
+                <a:spcPct val="120000"/>
+              </a:lnSpc>
+              <a:defRPr b="1" sz="2600">
+                <a:solidFill>
+                  <a:srgbClr val="FFFFFF"/>
+                </a:solidFill>
+                <a:latin typeface="Courier New"/>
+                <a:ea typeface="Courier New"/>
+                <a:cs typeface="Courier New"/>
+                <a:sym typeface="Courier New"/>
+              </a:defRPr>
+            </a:pPr>
+            <a:r>
+              <a:t>JOIN(</a:t>
+            </a:r>
+          </a:p>
+          <a:p>
+            <a:pPr defTabSz="1219200">
+              <a:lnSpc>
+                <a:spcPct val="120000"/>
+              </a:lnSpc>
+              <a:defRPr b="1" sz="2600">
+                <a:solidFill>
+                  <a:srgbClr val="FFFFFF"/>
+                </a:solidFill>
+                <a:latin typeface="Courier New"/>
+                <a:ea typeface="Courier New"/>
+                <a:cs typeface="Courier New"/>
+                <a:sym typeface="Courier New"/>
+              </a:defRPr>
+            </a:pPr>
+            <a:r>
+              <a:t>	SELECT * FROM film_actor</a:t>
+            </a:r>
+          </a:p>
+          <a:p>
+            <a:pPr defTabSz="1219200">
+              <a:lnSpc>
+                <a:spcPct val="120000"/>
+              </a:lnSpc>
+              <a:defRPr b="1" sz="2600">
+                <a:solidFill>
+                  <a:srgbClr val="FFFFFF"/>
+                </a:solidFill>
+                <a:latin typeface="Courier New"/>
+                <a:ea typeface="Courier New"/>
+                <a:cs typeface="Courier New"/>
+                <a:sym typeface="Courier New"/>
+              </a:defRPr>
+            </a:pPr>
+            <a:r>
+              <a:t>	WHERE film_id = 2</a:t>
+            </a:r>
+          </a:p>
+          <a:p>
+            <a:pPr defTabSz="1219200">
+              <a:lnSpc>
+                <a:spcPct val="120000"/>
+              </a:lnSpc>
+              <a:defRPr b="1" sz="2600">
+                <a:solidFill>
+                  <a:srgbClr val="FFFFFF"/>
+                </a:solidFill>
+                <a:latin typeface="Courier New"/>
+                <a:ea typeface="Courier New"/>
+                <a:cs typeface="Courier New"/>
+                <a:sym typeface="Courier New"/>
+              </a:defRPr>
+            </a:pPr>
+            <a:r>
+              <a:t>	) </a:t>
+            </a:r>
+            <a:r>
+              <a:rPr>
+                <a:solidFill>
+                  <a:srgbClr val="FF000B"/>
+                </a:solidFill>
+              </a:rPr>
+              <a:t>sub</a:t>
+            </a:r>
+          </a:p>
+          <a:p>
+            <a:pPr defTabSz="1219200">
+              <a:lnSpc>
+                <a:spcPct val="120000"/>
+              </a:lnSpc>
+              <a:defRPr b="1" sz="2600">
+                <a:solidFill>
+                  <a:srgbClr val="FFFFFF"/>
+                </a:solidFill>
+                <a:latin typeface="Courier New"/>
+                <a:ea typeface="Courier New"/>
+                <a:cs typeface="Courier New"/>
+                <a:sym typeface="Courier New"/>
+              </a:defRPr>
+            </a:pPr>
+            <a:r>
+              <a:t>ON actor.actor_id = </a:t>
+            </a:r>
+            <a:r>
+              <a:rPr>
+                <a:solidFill>
+                  <a:srgbClr val="FF000B"/>
+                </a:solidFill>
+              </a:rPr>
+              <a:t>sub</a:t>
+            </a:r>
+            <a:r>
+              <a:t>.actor_id</a:t>
+            </a:r>
+          </a:p>
+        </p:txBody>
+      </p:sp>
+      <p:sp>
+        <p:nvSpPr>
+          <p:cNvPr id="141" name="Google Shape;55;p13"/>
+          <p:cNvSpPr txBox="1"/>
+          <p:nvPr>
+            <p:ph type="title"/>
+          </p:nvPr>
+        </p:nvSpPr>
+        <p:spPr>
+          <a:xfrm>
+            <a:off x="415599" y="265599"/>
+            <a:ext cx="11360802" cy="1320401"/>
+          </a:xfrm>
+          <a:prstGeom prst="rect">
+            <a:avLst/>
+          </a:prstGeom>
+        </p:spPr>
+        <p:txBody>
+          <a:bodyPr/>
+          <a:lstStyle>
+            <a:lvl1pPr defTabSz="1109472">
+              <a:defRPr sz="6188">
+                <a:solidFill>
+                  <a:srgbClr val="FFFFFF"/>
+                </a:solidFill>
+                <a:latin typeface="Avenir Book"/>
+                <a:ea typeface="Avenir Book"/>
+                <a:cs typeface="Avenir Book"/>
+                <a:sym typeface="Avenir Book"/>
+              </a:defRPr>
+            </a:lvl1pPr>
+          </a:lstStyle>
+          <a:p>
+            <a:pPr/>
+            <a:r>
+              <a:t>Subqueries</a:t>
             </a:r>
           </a:p>
         </p:txBody>
@@ -6329,8 +6467,8 @@
         </p:nvSpPr>
         <p:spPr>
           <a:xfrm flipH="1">
-            <a:off x="6314762" y="4787707"/>
-            <a:ext cx="2194607" cy="783914"/>
+            <a:off x="7519130" y="4787707"/>
+            <a:ext cx="990238" cy="1"/>
           </a:xfrm>
           <a:prstGeom prst="line">
             <a:avLst/>
@@ -6351,422 +6489,9 @@
           </a:p>
         </p:txBody>
       </p:sp>
-    </p:spTree>
-  </p:cSld>
-  <p:clrMapOvr>
-    <a:masterClrMapping/>
-  </p:clrMapOvr>
-  <p:transition xmlns:p14="http://schemas.microsoft.com/office/powerpoint/2010/main" spd="med" advClick="1"/>
-</p:sld>
-</file>
-
-<file path=ppt/slides/slide6.xml><?xml version="1.0" encoding="utf-8"?>
-<p:sld xmlns:a="http://schemas.openxmlformats.org/drawingml/2006/main" xmlns:r="http://schemas.openxmlformats.org/officeDocument/2006/relationships" xmlns:p="http://schemas.openxmlformats.org/presentationml/2006/main" xmlns:m="http://schemas.openxmlformats.org/officeDocument/2006/math" xmlns:a14="http://schemas.microsoft.com/office/drawing/2010/main" showMasterSp="1" showMasterPhAnim="1">
-  <p:cSld>
-    <p:bg>
-      <p:bgPr>
-        <a:solidFill>
-          <a:srgbClr val="EDDACC"/>
-        </a:solidFill>
-      </p:bgPr>
-    </p:bg>
-    <p:spTree>
-      <p:nvGrpSpPr>
-        <p:cNvPr id="1" name=""/>
-        <p:cNvGrpSpPr/>
-        <p:nvPr/>
-      </p:nvGrpSpPr>
-      <p:grpSpPr>
-        <a:xfrm>
-          <a:off x="0" y="0"/>
-          <a:ext cx="0" cy="0"/>
-          <a:chOff x="0" y="0"/>
-          <a:chExt cx="0" cy="0"/>
-        </a:xfrm>
-      </p:grpSpPr>
-      <p:pic>
-        <p:nvPicPr>
-          <p:cNvPr id="145" name="5f461d116006137.6059ac1f3a043.jpg" descr="5f461d116006137.6059ac1f3a043.jpg"/>
-          <p:cNvPicPr>
-            <a:picLocks noChangeAspect="1"/>
-          </p:cNvPicPr>
-          <p:nvPr/>
-        </p:nvPicPr>
-        <p:blipFill>
-          <a:blip r:embed="rId2">
-            <a:extLst/>
-          </a:blip>
-          <a:stretch>
-            <a:fillRect/>
-          </a:stretch>
-        </p:blipFill>
-        <p:spPr>
-          <a:xfrm>
-            <a:off x="-38625" y="-1281005"/>
-            <a:ext cx="12269250" cy="8179500"/>
-          </a:xfrm>
-          <a:prstGeom prst="rect">
-            <a:avLst/>
-          </a:prstGeom>
-          <a:ln w="12700">
-            <a:miter lim="400000"/>
-          </a:ln>
-        </p:spPr>
-      </p:pic>
       <p:sp>
         <p:nvSpPr>
-          <p:cNvPr id="146" name="Google Shape;69;p14"/>
-          <p:cNvSpPr txBox="1"/>
-          <p:nvPr/>
-        </p:nvSpPr>
-        <p:spPr>
-          <a:xfrm>
-            <a:off x="711686" y="1790460"/>
-            <a:ext cx="8732482" cy="4295481"/>
-          </a:xfrm>
-          <a:prstGeom prst="rect">
-            <a:avLst/>
-          </a:prstGeom>
-          <a:ln w="12700">
-            <a:miter lim="400000"/>
-          </a:ln>
-          <a:extLst>
-            <a:ext uri="{C572A759-6A51-4108-AA02-DFA0A04FC94B}">
-              <ma14:wrappingTextBoxFlag xmlns:ma14="http://schemas.microsoft.com/office/mac/drawingml/2011/main" val="1"/>
-            </a:ext>
-          </a:extLst>
-        </p:spPr>
-        <p:txBody>
-          <a:bodyPr lIns="121899" tIns="121899" rIns="121899" bIns="121899">
-            <a:spAutoFit/>
-          </a:bodyPr>
-          <a:lstStyle/>
-          <a:p>
-            <a:pPr marL="260684" indent="-260684" defTabSz="1219200">
-              <a:lnSpc>
-                <a:spcPct val="120000"/>
-              </a:lnSpc>
-              <a:buSzPct val="100000"/>
-              <a:buChar char="•"/>
-              <a:defRPr sz="2600">
-                <a:solidFill>
-                  <a:srgbClr val="FFFFFF"/>
-                </a:solidFill>
-                <a:latin typeface="Arial"/>
-                <a:ea typeface="Arial"/>
-                <a:cs typeface="Arial"/>
-                <a:sym typeface="Arial"/>
-              </a:defRPr>
-            </a:pPr>
-            <a:r>
-              <a:t>For example: Find the actors that played a role in film 2</a:t>
-            </a:r>
-          </a:p>
-          <a:p>
-            <a:pPr defTabSz="1219200">
-              <a:lnSpc>
-                <a:spcPct val="120000"/>
-              </a:lnSpc>
-              <a:defRPr sz="2600">
-                <a:solidFill>
-                  <a:srgbClr val="FFFFFF"/>
-                </a:solidFill>
-                <a:latin typeface="Courier New"/>
-                <a:ea typeface="Courier New"/>
-                <a:cs typeface="Courier New"/>
-                <a:sym typeface="Courier New"/>
-              </a:defRPr>
-            </a:pPr>
-          </a:p>
-          <a:p>
-            <a:pPr defTabSz="1219200">
-              <a:lnSpc>
-                <a:spcPct val="120000"/>
-              </a:lnSpc>
-              <a:defRPr b="1" sz="2600">
-                <a:solidFill>
-                  <a:srgbClr val="FFFFFF"/>
-                </a:solidFill>
-                <a:latin typeface="Courier New"/>
-                <a:ea typeface="Courier New"/>
-                <a:cs typeface="Courier New"/>
-                <a:sym typeface="Courier New"/>
-              </a:defRPr>
-            </a:pPr>
-            <a:r>
-              <a:t>SELECT * </a:t>
-            </a:r>
-          </a:p>
-          <a:p>
-            <a:pPr defTabSz="1219200">
-              <a:lnSpc>
-                <a:spcPct val="120000"/>
-              </a:lnSpc>
-              <a:defRPr b="1" sz="2600">
-                <a:solidFill>
-                  <a:srgbClr val="FFFFFF"/>
-                </a:solidFill>
-                <a:latin typeface="Courier New"/>
-                <a:ea typeface="Courier New"/>
-                <a:cs typeface="Courier New"/>
-                <a:sym typeface="Courier New"/>
-              </a:defRPr>
-            </a:pPr>
-            <a:r>
-              <a:t>FROM actor</a:t>
-            </a:r>
-          </a:p>
-          <a:p>
-            <a:pPr defTabSz="1219200">
-              <a:lnSpc>
-                <a:spcPct val="120000"/>
-              </a:lnSpc>
-              <a:defRPr b="1" sz="2600">
-                <a:solidFill>
-                  <a:srgbClr val="FFFFFF"/>
-                </a:solidFill>
-                <a:latin typeface="Courier New"/>
-                <a:ea typeface="Courier New"/>
-                <a:cs typeface="Courier New"/>
-                <a:sym typeface="Courier New"/>
-              </a:defRPr>
-            </a:pPr>
-            <a:r>
-              <a:t>JOIN(</a:t>
-            </a:r>
-          </a:p>
-          <a:p>
-            <a:pPr defTabSz="1219200">
-              <a:lnSpc>
-                <a:spcPct val="120000"/>
-              </a:lnSpc>
-              <a:defRPr b="1" sz="2600">
-                <a:solidFill>
-                  <a:srgbClr val="FFFFFF"/>
-                </a:solidFill>
-                <a:latin typeface="Courier New"/>
-                <a:ea typeface="Courier New"/>
-                <a:cs typeface="Courier New"/>
-                <a:sym typeface="Courier New"/>
-              </a:defRPr>
-            </a:pPr>
-            <a:r>
-              <a:t>	SELECT * FROM film_actor</a:t>
-            </a:r>
-          </a:p>
-          <a:p>
-            <a:pPr defTabSz="1219200">
-              <a:lnSpc>
-                <a:spcPct val="120000"/>
-              </a:lnSpc>
-              <a:defRPr b="1" sz="2600">
-                <a:solidFill>
-                  <a:srgbClr val="FFFFFF"/>
-                </a:solidFill>
-                <a:latin typeface="Courier New"/>
-                <a:ea typeface="Courier New"/>
-                <a:cs typeface="Courier New"/>
-                <a:sym typeface="Courier New"/>
-              </a:defRPr>
-            </a:pPr>
-            <a:r>
-              <a:t>	WHERE film_id = 2</a:t>
-            </a:r>
-          </a:p>
-          <a:p>
-            <a:pPr defTabSz="1219200">
-              <a:lnSpc>
-                <a:spcPct val="120000"/>
-              </a:lnSpc>
-              <a:defRPr b="1" sz="2600">
-                <a:solidFill>
-                  <a:srgbClr val="FFFFFF"/>
-                </a:solidFill>
-                <a:latin typeface="Courier New"/>
-                <a:ea typeface="Courier New"/>
-                <a:cs typeface="Courier New"/>
-                <a:sym typeface="Courier New"/>
-              </a:defRPr>
-            </a:pPr>
-            <a:r>
-              <a:t>	) </a:t>
-            </a:r>
-            <a:r>
-              <a:rPr>
-                <a:solidFill>
-                  <a:srgbClr val="FF000B"/>
-                </a:solidFill>
-              </a:rPr>
-              <a:t>sub</a:t>
-            </a:r>
-          </a:p>
-          <a:p>
-            <a:pPr defTabSz="1219200">
-              <a:lnSpc>
-                <a:spcPct val="120000"/>
-              </a:lnSpc>
-              <a:defRPr b="1" sz="2600">
-                <a:solidFill>
-                  <a:srgbClr val="FFFFFF"/>
-                </a:solidFill>
-                <a:latin typeface="Courier New"/>
-                <a:ea typeface="Courier New"/>
-                <a:cs typeface="Courier New"/>
-                <a:sym typeface="Courier New"/>
-              </a:defRPr>
-            </a:pPr>
-            <a:r>
-              <a:t>ON actor.actor_id = </a:t>
-            </a:r>
-            <a:r>
-              <a:rPr>
-                <a:solidFill>
-                  <a:srgbClr val="FF000B"/>
-                </a:solidFill>
-              </a:rPr>
-              <a:t>sub</a:t>
-            </a:r>
-            <a:r>
-              <a:t>.actor_id</a:t>
-            </a:r>
-          </a:p>
-        </p:txBody>
-      </p:sp>
-      <p:sp>
-        <p:nvSpPr>
-          <p:cNvPr id="147" name="Google Shape;55;p13"/>
-          <p:cNvSpPr txBox="1"/>
-          <p:nvPr>
-            <p:ph type="title"/>
-          </p:nvPr>
-        </p:nvSpPr>
-        <p:spPr>
-          <a:xfrm>
-            <a:off x="415599" y="265599"/>
-            <a:ext cx="11360802" cy="1320401"/>
-          </a:xfrm>
-          <a:prstGeom prst="rect">
-            <a:avLst/>
-          </a:prstGeom>
-        </p:spPr>
-        <p:txBody>
-          <a:bodyPr/>
-          <a:lstStyle>
-            <a:lvl1pPr defTabSz="1109472">
-              <a:defRPr sz="6188">
-                <a:solidFill>
-                  <a:srgbClr val="FFFFFF"/>
-                </a:solidFill>
-                <a:latin typeface="Avenir Book"/>
-                <a:ea typeface="Avenir Book"/>
-                <a:cs typeface="Avenir Book"/>
-                <a:sym typeface="Avenir Book"/>
-              </a:defRPr>
-            </a:lvl1pPr>
-          </a:lstStyle>
-          <a:p>
-            <a:pPr/>
-            <a:r>
-              <a:t>Subqueries</a:t>
-            </a:r>
-          </a:p>
-        </p:txBody>
-      </p:sp>
-      <p:sp>
-        <p:nvSpPr>
-          <p:cNvPr id="148" name="This will run first.…"/>
-          <p:cNvSpPr txBox="1"/>
-          <p:nvPr/>
-        </p:nvSpPr>
-        <p:spPr>
-          <a:xfrm>
-            <a:off x="8643026" y="4384885"/>
-            <a:ext cx="3167768" cy="667331"/>
-          </a:xfrm>
-          <a:prstGeom prst="rect">
-            <a:avLst/>
-          </a:prstGeom>
-          <a:ln w="12700">
-            <a:miter lim="400000"/>
-          </a:ln>
-          <a:extLst>
-            <a:ext uri="{C572A759-6A51-4108-AA02-DFA0A04FC94B}">
-              <ma14:wrappingTextBoxFlag xmlns:ma14="http://schemas.microsoft.com/office/mac/drawingml/2011/main" val="1"/>
-            </a:ext>
-          </a:extLst>
-        </p:spPr>
-        <p:txBody>
-          <a:bodyPr wrap="none" lIns="45719" rIns="45719">
-            <a:spAutoFit/>
-          </a:bodyPr>
-          <a:lstStyle/>
-          <a:p>
-            <a:pPr>
-              <a:defRPr i="1" sz="2000">
-                <a:solidFill>
-                  <a:srgbClr val="FFFFFF"/>
-                </a:solidFill>
-                <a:latin typeface="Arial"/>
-                <a:ea typeface="Arial"/>
-                <a:cs typeface="Arial"/>
-                <a:sym typeface="Arial"/>
-              </a:defRPr>
-            </a:pPr>
-            <a:r>
-              <a:t>This will run first.</a:t>
-            </a:r>
-          </a:p>
-          <a:p>
-            <a:pPr>
-              <a:defRPr i="1" sz="2000">
-                <a:solidFill>
-                  <a:srgbClr val="FFFFFF"/>
-                </a:solidFill>
-                <a:latin typeface="Arial"/>
-                <a:ea typeface="Arial"/>
-                <a:cs typeface="Arial"/>
-                <a:sym typeface="Arial"/>
-              </a:defRPr>
-            </a:pPr>
-            <a:r>
-              <a:t>What do we get from here?</a:t>
-            </a:r>
-          </a:p>
-        </p:txBody>
-      </p:sp>
-      <p:sp>
-        <p:nvSpPr>
-          <p:cNvPr id="149" name="Línea"/>
-          <p:cNvSpPr/>
-          <p:nvPr/>
-        </p:nvSpPr>
-        <p:spPr>
-          <a:xfrm flipH="1">
-            <a:off x="7519130" y="4787707"/>
-            <a:ext cx="990239" cy="1"/>
-          </a:xfrm>
-          <a:prstGeom prst="line">
-            <a:avLst/>
-          </a:prstGeom>
-          <a:ln w="50800">
-            <a:solidFill>
-              <a:srgbClr val="FF000B"/>
-            </a:solidFill>
-            <a:miter/>
-            <a:tailEnd type="triangle"/>
-          </a:ln>
-        </p:spPr>
-        <p:txBody>
-          <a:bodyPr lIns="45719" rIns="45719"/>
-          <a:lstStyle/>
-          <a:p>
-            <a:pPr/>
-          </a:p>
-        </p:txBody>
-      </p:sp>
-      <p:sp>
-        <p:nvSpPr>
-          <p:cNvPr id="150" name="Can you see the difference?"/>
+          <p:cNvPr id="144" name="Can you see the difference?"/>
           <p:cNvSpPr txBox="1"/>
           <p:nvPr/>
         </p:nvSpPr>
@@ -6822,9 +6547,13 @@
   <p:cSld>
     <p:bg>
       <p:bgPr>
-        <a:solidFill>
-          <a:srgbClr val="EDDACC"/>
-        </a:solidFill>
+        <a:blipFill rotWithShape="1">
+          <a:blip r:embed="rId2"/>
+          <a:srcRect l="0" t="0" r="0" b="0"/>
+          <a:stretch>
+            <a:fillRect/>
+          </a:stretch>
+        </a:blipFill>
       </p:bgPr>
     </p:bg>
     <p:spTree>
@@ -6841,38 +6570,9 @@
           <a:chExt cx="0" cy="0"/>
         </a:xfrm>
       </p:grpSpPr>
-      <p:pic>
-        <p:nvPicPr>
-          <p:cNvPr id="152" name="5f461d116006137.6059ac1f3a043.jpg" descr="5f461d116006137.6059ac1f3a043.jpg"/>
-          <p:cNvPicPr>
-            <a:picLocks noChangeAspect="1"/>
-          </p:cNvPicPr>
-          <p:nvPr/>
-        </p:nvPicPr>
-        <p:blipFill>
-          <a:blip r:embed="rId2">
-            <a:extLst/>
-          </a:blip>
-          <a:stretch>
-            <a:fillRect/>
-          </a:stretch>
-        </p:blipFill>
-        <p:spPr>
-          <a:xfrm>
-            <a:off x="-38625" y="-1281005"/>
-            <a:ext cx="12269250" cy="8179500"/>
-          </a:xfrm>
-          <a:prstGeom prst="rect">
-            <a:avLst/>
-          </a:prstGeom>
-          <a:ln w="12700">
-            <a:miter lim="400000"/>
-          </a:ln>
-        </p:spPr>
-      </p:pic>
       <p:sp>
         <p:nvSpPr>
-          <p:cNvPr id="153" name="Google Shape;55;p13"/>
+          <p:cNvPr id="146" name="Google Shape;55;p13"/>
           <p:cNvSpPr txBox="1"/>
           <p:nvPr>
             <p:ph type="title"/>
@@ -6912,14 +6612,14 @@
       </p:sp>
       <p:sp>
         <p:nvSpPr>
-          <p:cNvPr id="154" name="Google Shape;69;p14"/>
+          <p:cNvPr id="147" name="Google Shape;69;p14"/>
           <p:cNvSpPr txBox="1"/>
           <p:nvPr/>
         </p:nvSpPr>
         <p:spPr>
           <a:xfrm>
             <a:off x="998598" y="1746346"/>
-            <a:ext cx="10639322" cy="5524461"/>
+            <a:ext cx="10639321" cy="5524461"/>
           </a:xfrm>
           <a:prstGeom prst="rect">
             <a:avLst/>
@@ -7048,7 +6748,7 @@
       </p:sp>
       <p:sp>
         <p:nvSpPr>
-          <p:cNvPr id="155" name="What do these queries…"/>
+          <p:cNvPr id="148" name="What do these queries…"/>
           <p:cNvSpPr txBox="1"/>
           <p:nvPr/>
         </p:nvSpPr>
@@ -7110,7 +6810,7 @@
       </p:sp>
       <p:sp>
         <p:nvSpPr>
-          <p:cNvPr id="156" name="Línea"/>
+          <p:cNvPr id="149" name="Línea"/>
           <p:cNvSpPr/>
           <p:nvPr/>
         </p:nvSpPr>
@@ -7140,7 +6840,7 @@
       </p:sp>
       <p:sp>
         <p:nvSpPr>
-          <p:cNvPr id="157" name="Línea"/>
+          <p:cNvPr id="150" name="Línea"/>
           <p:cNvSpPr/>
           <p:nvPr/>
         </p:nvSpPr>
@@ -7170,7 +6870,7 @@
       </p:sp>
       <p:pic>
         <p:nvPicPr>
-          <p:cNvPr id="158" name="png-clipart-leonardo-dicaprio-inception-internet-meme-leonardo-dicaprio-thumbnail-1.png" descr="png-clipart-leonardo-dicaprio-inception-internet-meme-leonardo-dicaprio-thumbnail-1.png"/>
+          <p:cNvPr id="151" name="png-clipart-leonardo-dicaprio-inception-internet-meme-leonardo-dicaprio-thumbnail-1.png" descr="png-clipart-leonardo-dicaprio-inception-internet-meme-leonardo-dicaprio-thumbnail-1.png"/>
           <p:cNvPicPr>
             <a:picLocks noChangeAspect="1"/>
           </p:cNvPicPr>
@@ -7236,7 +6936,7 @@
                                       <p:cBhvr>
                                         <p:cTn id="6" fill="hold"/>
                                         <p:tgtEl>
-                                          <p:spTgt spid="158"/>
+                                          <p:spTgt spid="151"/>
                                         </p:tgtEl>
                                         <p:attrNameLst>
                                           <p:attrName>style.visibility</p:attrName>
@@ -7277,7 +6977,7 @@
       </p:par>
     </p:tnLst>
     <p:bldLst>
-      <p:bldP build="whole" bldLvl="1" animBg="1" rev="0" advAuto="0" spid="158" grpId="1"/>
+      <p:bldP build="whole" bldLvl="1" animBg="1" rev="0" advAuto="0" spid="151" grpId="1"/>
     </p:bldLst>
   </p:timing>
 </p:sld>
@@ -7288,9 +6988,13 @@
   <p:cSld>
     <p:bg>
       <p:bgPr>
-        <a:solidFill>
-          <a:srgbClr val="EDDACC"/>
-        </a:solidFill>
+        <a:blipFill rotWithShape="1">
+          <a:blip r:embed="rId2"/>
+          <a:srcRect l="0" t="0" r="0" b="0"/>
+          <a:stretch>
+            <a:fillRect/>
+          </a:stretch>
+        </a:blipFill>
       </p:bgPr>
     </p:bg>
     <p:spTree>
@@ -7307,38 +7011,9 @@
           <a:chExt cx="0" cy="0"/>
         </a:xfrm>
       </p:grpSpPr>
-      <p:pic>
-        <p:nvPicPr>
-          <p:cNvPr id="160" name="5f461d116006137.6059ac1f3a043.jpg" descr="5f461d116006137.6059ac1f3a043.jpg"/>
-          <p:cNvPicPr>
-            <a:picLocks noChangeAspect="1"/>
-          </p:cNvPicPr>
-          <p:nvPr/>
-        </p:nvPicPr>
-        <p:blipFill>
-          <a:blip r:embed="rId2">
-            <a:extLst/>
-          </a:blip>
-          <a:stretch>
-            <a:fillRect/>
-          </a:stretch>
-        </p:blipFill>
-        <p:spPr>
-          <a:xfrm>
-            <a:off x="-38625" y="-1281005"/>
-            <a:ext cx="12269250" cy="8179500"/>
-          </a:xfrm>
-          <a:prstGeom prst="rect">
-            <a:avLst/>
-          </a:prstGeom>
-          <a:ln w="12700">
-            <a:miter lim="400000"/>
-          </a:ln>
-        </p:spPr>
-      </p:pic>
       <p:sp>
         <p:nvSpPr>
-          <p:cNvPr id="161" name="Google Shape;69;p14"/>
+          <p:cNvPr id="153" name="Google Shape;69;p14"/>
           <p:cNvSpPr txBox="1"/>
           <p:nvPr/>
         </p:nvSpPr>
@@ -7686,7 +7361,7 @@
       </p:sp>
       <p:sp>
         <p:nvSpPr>
-          <p:cNvPr id="162" name="Google Shape;55;p13"/>
+          <p:cNvPr id="154" name="Google Shape;55;p13"/>
           <p:cNvSpPr txBox="1"/>
           <p:nvPr>
             <p:ph type="title"/>
@@ -7738,9 +7413,13 @@
   <p:cSld>
     <p:bg>
       <p:bgPr>
-        <a:solidFill>
-          <a:srgbClr val="EDDACC"/>
-        </a:solidFill>
+        <a:blipFill rotWithShape="1">
+          <a:blip r:embed="rId2"/>
+          <a:srcRect l="0" t="0" r="0" b="0"/>
+          <a:stretch>
+            <a:fillRect/>
+          </a:stretch>
+        </a:blipFill>
       </p:bgPr>
     </p:bg>
     <p:spTree>
@@ -7757,38 +7436,9 @@
           <a:chExt cx="0" cy="0"/>
         </a:xfrm>
       </p:grpSpPr>
-      <p:pic>
-        <p:nvPicPr>
-          <p:cNvPr id="164" name="5f461d116006137.6059ac1f3a043.jpg" descr="5f461d116006137.6059ac1f3a043.jpg"/>
-          <p:cNvPicPr>
-            <a:picLocks noChangeAspect="1"/>
-          </p:cNvPicPr>
-          <p:nvPr/>
-        </p:nvPicPr>
-        <p:blipFill>
-          <a:blip r:embed="rId2">
-            <a:extLst/>
-          </a:blip>
-          <a:stretch>
-            <a:fillRect/>
-          </a:stretch>
-        </p:blipFill>
-        <p:spPr>
-          <a:xfrm>
-            <a:off x="-38625" y="-1281005"/>
-            <a:ext cx="12269250" cy="8179500"/>
-          </a:xfrm>
-          <a:prstGeom prst="rect">
-            <a:avLst/>
-          </a:prstGeom>
-          <a:ln w="12700">
-            <a:miter lim="400000"/>
-          </a:ln>
-        </p:spPr>
-      </p:pic>
       <p:sp>
         <p:nvSpPr>
-          <p:cNvPr id="165" name="Google Shape;55;p13"/>
+          <p:cNvPr id="156" name="Google Shape;55;p13"/>
           <p:cNvSpPr txBox="1"/>
           <p:nvPr>
             <p:ph type="title"/>
@@ -7828,7 +7478,7 @@
       </p:sp>
       <p:sp>
         <p:nvSpPr>
-          <p:cNvPr id="166" name="Google Shape;69;p14"/>
+          <p:cNvPr id="157" name="Google Shape;69;p14"/>
           <p:cNvSpPr txBox="1"/>
           <p:nvPr/>
         </p:nvSpPr>
